--- a/Figure-6-2/Figure62/Figure62_fullslide.pptx
+++ b/Figure-6-2/Figure62/Figure62_fullslide.pptx
@@ -785,6 +785,964 @@
             <a:r>
               <a:rPr/>
               <a:t>2020-21</a:t>
+            </a:r>
+          </a:p>
+          <a:p>
+            <a:pPr lvl="0" marL="0" indent="0">
+              <a:buNone/>
+            </a:pPr>
+          </a:p>
+          <a:p>
+            <a:pPr lvl="0" marL="0" indent="0">
+              <a:buNone/>
+            </a:pPr>
+            <a:r>
+              <a:rPr/>
+              <a:t>Note:</a:t>
+            </a:r>
+            <a:r>
+              <a:rPr/>
+              <a:t> </a:t>
+            </a:r>
+            <a:r>
+              <a:rPr/>
+              <a:t>Earnings</a:t>
+            </a:r>
+            <a:r>
+              <a:rPr/>
+              <a:t> </a:t>
+            </a:r>
+            <a:r>
+              <a:rPr/>
+              <a:t>estimated</a:t>
+            </a:r>
+            <a:r>
+              <a:rPr/>
+              <a:t> </a:t>
+            </a:r>
+            <a:r>
+              <a:rPr/>
+              <a:t>as</a:t>
+            </a:r>
+            <a:r>
+              <a:rPr/>
+              <a:t> </a:t>
+            </a:r>
+            <a:r>
+              <a:rPr/>
+              <a:t>5%</a:t>
+            </a:r>
+            <a:r>
+              <a:rPr/>
+              <a:t> </a:t>
+            </a:r>
+            <a:r>
+              <a:rPr/>
+              <a:t>of</a:t>
+            </a:r>
+            <a:r>
+              <a:rPr/>
+              <a:t> </a:t>
+            </a:r>
+            <a:r>
+              <a:rPr/>
+              <a:t>super</a:t>
+            </a:r>
+            <a:r>
+              <a:rPr/>
+              <a:t> </a:t>
+            </a:r>
+            <a:r>
+              <a:rPr/>
+              <a:t>balances.</a:t>
+            </a:r>
+            <a:r>
+              <a:rPr/>
+              <a:t> </a:t>
+            </a:r>
+            <a:r>
+              <a:rPr/>
+              <a:t>Effective</a:t>
+            </a:r>
+            <a:r>
+              <a:rPr/>
+              <a:t> </a:t>
+            </a:r>
+            <a:r>
+              <a:rPr/>
+              <a:t>earnings</a:t>
+            </a:r>
+            <a:r>
+              <a:rPr/>
+              <a:t> </a:t>
+            </a:r>
+            <a:r>
+              <a:rPr/>
+              <a:t>tax</a:t>
+            </a:r>
+            <a:r>
+              <a:rPr/>
+              <a:t> </a:t>
+            </a:r>
+            <a:r>
+              <a:rPr/>
+              <a:t>assumed</a:t>
+            </a:r>
+            <a:r>
+              <a:rPr/>
+              <a:t> </a:t>
+            </a:r>
+            <a:r>
+              <a:rPr/>
+              <a:t>to</a:t>
+            </a:r>
+            <a:r>
+              <a:rPr/>
+              <a:t> </a:t>
+            </a:r>
+            <a:r>
+              <a:rPr/>
+              <a:t>be</a:t>
+            </a:r>
+            <a:r>
+              <a:rPr/>
+              <a:t> </a:t>
+            </a:r>
+            <a:r>
+              <a:rPr/>
+              <a:t>12.5%.</a:t>
+            </a:r>
+            <a:r>
+              <a:rPr/>
+              <a:t> </a:t>
+            </a:r>
+            <a:r>
+              <a:rPr/>
+              <a:t>Behavioural</a:t>
+            </a:r>
+            <a:r>
+              <a:rPr/>
+              <a:t> </a:t>
+            </a:r>
+            <a:r>
+              <a:rPr/>
+              <a:t>response</a:t>
+            </a:r>
+            <a:r>
+              <a:rPr/>
+              <a:t> </a:t>
+            </a:r>
+            <a:r>
+              <a:rPr/>
+              <a:t>assumed</a:t>
+            </a:r>
+            <a:r>
+              <a:rPr/>
+              <a:t> </a:t>
+            </a:r>
+            <a:r>
+              <a:rPr/>
+              <a:t>to</a:t>
+            </a:r>
+            <a:r>
+              <a:rPr/>
+              <a:t> </a:t>
+            </a:r>
+            <a:r>
+              <a:rPr/>
+              <a:t>be</a:t>
+            </a:r>
+            <a:r>
+              <a:rPr/>
+              <a:t> </a:t>
+            </a:r>
+            <a:r>
+              <a:rPr/>
+              <a:t>that</a:t>
+            </a:r>
+            <a:r>
+              <a:rPr/>
+              <a:t> </a:t>
+            </a:r>
+            <a:r>
+              <a:rPr/>
+              <a:t>individuals</a:t>
+            </a:r>
+            <a:r>
+              <a:rPr/>
+              <a:t> </a:t>
+            </a:r>
+            <a:r>
+              <a:rPr/>
+              <a:t>whose</a:t>
+            </a:r>
+            <a:r>
+              <a:rPr/>
+              <a:t> </a:t>
+            </a:r>
+            <a:r>
+              <a:rPr/>
+              <a:t>taxable</a:t>
+            </a:r>
+            <a:r>
+              <a:rPr/>
+              <a:t> </a:t>
+            </a:r>
+            <a:r>
+              <a:rPr/>
+              <a:t>income</a:t>
+            </a:r>
+            <a:r>
+              <a:rPr/>
+              <a:t> </a:t>
+            </a:r>
+            <a:r>
+              <a:rPr/>
+              <a:t>is</a:t>
+            </a:r>
+            <a:r>
+              <a:rPr/>
+              <a:t> </a:t>
+            </a:r>
+            <a:r>
+              <a:rPr/>
+              <a:t>below</a:t>
+            </a:r>
+            <a:r>
+              <a:rPr/>
+              <a:t> </a:t>
+            </a:r>
+            <a:r>
+              <a:rPr/>
+              <a:t>either</a:t>
+            </a:r>
+            <a:r>
+              <a:rPr/>
+              <a:t> </a:t>
+            </a:r>
+            <a:r>
+              <a:rPr/>
+              <a:t>the</a:t>
+            </a:r>
+            <a:r>
+              <a:rPr/>
+              <a:t> </a:t>
+            </a:r>
+            <a:r>
+              <a:rPr/>
+              <a:t>tax-free</a:t>
+            </a:r>
+            <a:r>
+              <a:rPr/>
+              <a:t> </a:t>
+            </a:r>
+            <a:r>
+              <a:rPr/>
+              <a:t>threshold</a:t>
+            </a:r>
+            <a:r>
+              <a:rPr/>
+              <a:t> </a:t>
+            </a:r>
+            <a:r>
+              <a:rPr/>
+              <a:t>or</a:t>
+            </a:r>
+            <a:r>
+              <a:rPr/>
+              <a:t> </a:t>
+            </a:r>
+            <a:r>
+              <a:rPr/>
+              <a:t>the</a:t>
+            </a:r>
+            <a:r>
+              <a:rPr/>
+              <a:t> </a:t>
+            </a:r>
+            <a:r>
+              <a:rPr/>
+              <a:t>taxable</a:t>
+            </a:r>
+            <a:r>
+              <a:rPr/>
+              <a:t> </a:t>
+            </a:r>
+            <a:r>
+              <a:rPr/>
+              <a:t>income</a:t>
+            </a:r>
+            <a:r>
+              <a:rPr/>
+              <a:t> </a:t>
+            </a:r>
+            <a:r>
+              <a:rPr/>
+              <a:t>at</a:t>
+            </a:r>
+            <a:r>
+              <a:rPr/>
+              <a:t> </a:t>
+            </a:r>
+            <a:r>
+              <a:rPr/>
+              <a:t>which</a:t>
+            </a:r>
+            <a:r>
+              <a:rPr/>
+              <a:t> </a:t>
+            </a:r>
+            <a:r>
+              <a:rPr/>
+              <a:t>most</a:t>
+            </a:r>
+            <a:r>
+              <a:rPr/>
+              <a:t> </a:t>
+            </a:r>
+            <a:r>
+              <a:rPr/>
+              <a:t>people’s</a:t>
+            </a:r>
+            <a:r>
+              <a:rPr/>
+              <a:t> </a:t>
+            </a:r>
+            <a:r>
+              <a:rPr/>
+              <a:t>marginal</a:t>
+            </a:r>
+            <a:r>
+              <a:rPr/>
+              <a:t> </a:t>
+            </a:r>
+            <a:r>
+              <a:rPr/>
+              <a:t>tax</a:t>
+            </a:r>
+            <a:r>
+              <a:rPr/>
+              <a:t> </a:t>
+            </a:r>
+            <a:r>
+              <a:rPr/>
+              <a:t>rate</a:t>
+            </a:r>
+            <a:r>
+              <a:rPr/>
+              <a:t> </a:t>
+            </a:r>
+            <a:r>
+              <a:rPr/>
+              <a:t>exceeds</a:t>
+            </a:r>
+            <a:r>
+              <a:rPr/>
+              <a:t> </a:t>
+            </a:r>
+            <a:r>
+              <a:rPr/>
+              <a:t>12.5%</a:t>
+            </a:r>
+            <a:r>
+              <a:rPr/>
+              <a:t> </a:t>
+            </a:r>
+            <a:r>
+              <a:rPr/>
+              <a:t>would</a:t>
+            </a:r>
+            <a:r>
+              <a:rPr/>
+              <a:t> </a:t>
+            </a:r>
+            <a:r>
+              <a:rPr/>
+              <a:t>transfer</a:t>
+            </a:r>
+            <a:r>
+              <a:rPr/>
+              <a:t> </a:t>
+            </a:r>
+            <a:r>
+              <a:rPr/>
+              <a:t>as</a:t>
+            </a:r>
+            <a:r>
+              <a:rPr/>
+              <a:t> </a:t>
+            </a:r>
+            <a:r>
+              <a:rPr/>
+              <a:t>much</a:t>
+            </a:r>
+            <a:r>
+              <a:rPr/>
+              <a:t> </a:t>
+            </a:r>
+            <a:r>
+              <a:rPr/>
+              <a:t>super</a:t>
+            </a:r>
+            <a:r>
+              <a:rPr/>
+              <a:t> </a:t>
+            </a:r>
+            <a:r>
+              <a:rPr/>
+              <a:t>earnings</a:t>
+            </a:r>
+            <a:r>
+              <a:rPr/>
+              <a:t> </a:t>
+            </a:r>
+            <a:r>
+              <a:rPr/>
+              <a:t>into</a:t>
+            </a:r>
+            <a:r>
+              <a:rPr/>
+              <a:t> </a:t>
+            </a:r>
+            <a:r>
+              <a:rPr/>
+              <a:t>their</a:t>
+            </a:r>
+            <a:r>
+              <a:rPr/>
+              <a:t> </a:t>
+            </a:r>
+            <a:r>
+              <a:rPr/>
+              <a:t>taxable</a:t>
+            </a:r>
+            <a:r>
+              <a:rPr/>
+              <a:t> </a:t>
+            </a:r>
+            <a:r>
+              <a:rPr/>
+              <a:t>income</a:t>
+            </a:r>
+            <a:r>
+              <a:rPr/>
+              <a:t> </a:t>
+            </a:r>
+            <a:r>
+              <a:rPr/>
+              <a:t>as</a:t>
+            </a:r>
+            <a:r>
+              <a:rPr/>
+              <a:t> </a:t>
+            </a:r>
+            <a:r>
+              <a:rPr/>
+              <a:t>would</a:t>
+            </a:r>
+            <a:r>
+              <a:rPr/>
+              <a:t> </a:t>
+            </a:r>
+            <a:r>
+              <a:rPr/>
+              <a:t>reduce</a:t>
+            </a:r>
+            <a:r>
+              <a:rPr/>
+              <a:t> </a:t>
+            </a:r>
+            <a:r>
+              <a:rPr/>
+              <a:t>their</a:t>
+            </a:r>
+            <a:r>
+              <a:rPr/>
+              <a:t> </a:t>
+            </a:r>
+            <a:r>
+              <a:rPr/>
+              <a:t>tax.</a:t>
+            </a:r>
+            <a:r>
+              <a:rPr/>
+              <a:t> </a:t>
+            </a:r>
+            <a:r>
+              <a:rPr/>
+              <a:t>The</a:t>
+            </a:r>
+            <a:r>
+              <a:rPr/>
+              <a:t> </a:t>
+            </a:r>
+            <a:r>
+              <a:rPr/>
+              <a:t>effective</a:t>
+            </a:r>
+            <a:r>
+              <a:rPr/>
+              <a:t> </a:t>
+            </a:r>
+            <a:r>
+              <a:rPr/>
+              <a:t>tax-free</a:t>
+            </a:r>
+            <a:r>
+              <a:rPr/>
+              <a:t> </a:t>
+            </a:r>
+            <a:r>
+              <a:rPr/>
+              <a:t>threshold</a:t>
+            </a:r>
+            <a:r>
+              <a:rPr/>
+              <a:t> </a:t>
+            </a:r>
+            <a:r>
+              <a:rPr/>
+              <a:t>is</a:t>
+            </a:r>
+            <a:r>
+              <a:rPr/>
+              <a:t> </a:t>
+            </a:r>
+            <a:r>
+              <a:rPr/>
+              <a:t>the</a:t>
+            </a:r>
+            <a:r>
+              <a:rPr/>
+              <a:t> </a:t>
+            </a:r>
+            <a:r>
+              <a:rPr/>
+              <a:t>most</a:t>
+            </a:r>
+            <a:r>
+              <a:rPr/>
+              <a:t> </a:t>
+            </a:r>
+            <a:r>
+              <a:rPr/>
+              <a:t>common</a:t>
+            </a:r>
+            <a:r>
+              <a:rPr/>
+              <a:t> </a:t>
+            </a:r>
+            <a:r>
+              <a:rPr/>
+              <a:t>taxable</a:t>
+            </a:r>
+            <a:r>
+              <a:rPr/>
+              <a:t> </a:t>
+            </a:r>
+            <a:r>
+              <a:rPr/>
+              <a:t>income</a:t>
+            </a:r>
+            <a:r>
+              <a:rPr/>
+              <a:t> </a:t>
+            </a:r>
+            <a:r>
+              <a:rPr/>
+              <a:t>in</a:t>
+            </a:r>
+            <a:r>
+              <a:rPr/>
+              <a:t> </a:t>
+            </a:r>
+            <a:r>
+              <a:rPr/>
+              <a:t>which</a:t>
+            </a:r>
+            <a:r>
+              <a:rPr/>
+              <a:t> </a:t>
+            </a:r>
+            <a:r>
+              <a:rPr/>
+              <a:t>people</a:t>
+            </a:r>
+            <a:r>
+              <a:rPr/>
+              <a:t> </a:t>
+            </a:r>
+            <a:r>
+              <a:rPr/>
+              <a:t>of</a:t>
+            </a:r>
+            <a:r>
+              <a:rPr/>
+              <a:t> </a:t>
+            </a:r>
+            <a:r>
+              <a:rPr/>
+              <a:t>that</a:t>
+            </a:r>
+            <a:r>
+              <a:rPr/>
+              <a:t> </a:t>
+            </a:r>
+            <a:r>
+              <a:rPr/>
+              <a:t>age</a:t>
+            </a:r>
+            <a:r>
+              <a:rPr/>
+              <a:t> </a:t>
+            </a:r>
+            <a:r>
+              <a:rPr/>
+              <a:t>and</a:t>
+            </a:r>
+            <a:r>
+              <a:rPr/>
+              <a:t> </a:t>
+            </a:r>
+            <a:r>
+              <a:rPr/>
+              <a:t>partner</a:t>
+            </a:r>
+            <a:r>
+              <a:rPr/>
+              <a:t> </a:t>
+            </a:r>
+            <a:r>
+              <a:rPr/>
+              <a:t>status</a:t>
+            </a:r>
+            <a:r>
+              <a:rPr/>
+              <a:t> </a:t>
+            </a:r>
+            <a:r>
+              <a:rPr/>
+              <a:t>pay</a:t>
+            </a:r>
+            <a:r>
+              <a:rPr/>
+              <a:t> </a:t>
+            </a:r>
+            <a:r>
+              <a:rPr/>
+              <a:t>between</a:t>
+            </a:r>
+            <a:r>
+              <a:rPr/>
+              <a:t> </a:t>
+            </a:r>
+            <a:r>
+              <a:rPr/>
+              <a:t>$1</a:t>
+            </a:r>
+            <a:r>
+              <a:rPr/>
+              <a:t> </a:t>
+            </a:r>
+            <a:r>
+              <a:rPr/>
+              <a:t>and</a:t>
+            </a:r>
+            <a:r>
+              <a:rPr/>
+              <a:t> </a:t>
+            </a:r>
+            <a:r>
+              <a:rPr/>
+              <a:t>$100</a:t>
+            </a:r>
+            <a:r>
+              <a:rPr/>
+              <a:t> </a:t>
+            </a:r>
+            <a:r>
+              <a:rPr/>
+              <a:t>income</a:t>
+            </a:r>
+            <a:r>
+              <a:rPr/>
+              <a:t> </a:t>
+            </a:r>
+            <a:r>
+              <a:rPr/>
+              <a:t>tax.</a:t>
+            </a:r>
+            <a:r>
+              <a:rPr/>
+              <a:t> </a:t>
+            </a:r>
+            <a:r>
+              <a:rPr/>
+              <a:t>The</a:t>
+            </a:r>
+            <a:r>
+              <a:rPr/>
+              <a:t> </a:t>
+            </a:r>
+            <a:r>
+              <a:rPr/>
+              <a:t>threshold</a:t>
+            </a:r>
+            <a:r>
+              <a:rPr/>
+              <a:t> </a:t>
+            </a:r>
+            <a:r>
+              <a:rPr/>
+              <a:t>for</a:t>
+            </a:r>
+            <a:r>
+              <a:rPr/>
+              <a:t> </a:t>
+            </a:r>
+            <a:r>
+              <a:rPr/>
+              <a:t>the</a:t>
+            </a:r>
+            <a:r>
+              <a:rPr/>
+              <a:t> </a:t>
+            </a:r>
+            <a:r>
+              <a:rPr/>
+              <a:t>12.5%</a:t>
+            </a:r>
+            <a:r>
+              <a:rPr/>
+              <a:t> </a:t>
+            </a:r>
+            <a:r>
+              <a:rPr/>
+              <a:t>marginal</a:t>
+            </a:r>
+            <a:r>
+              <a:rPr/>
+              <a:t> </a:t>
+            </a:r>
+            <a:r>
+              <a:rPr/>
+              <a:t>rate</a:t>
+            </a:r>
+            <a:r>
+              <a:rPr/>
+              <a:t> </a:t>
+            </a:r>
+            <a:r>
+              <a:rPr/>
+              <a:t>is</a:t>
+            </a:r>
+            <a:r>
+              <a:rPr/>
+              <a:t> </a:t>
+            </a:r>
+            <a:r>
+              <a:rPr/>
+              <a:t>the</a:t>
+            </a:r>
+            <a:r>
+              <a:rPr/>
+              <a:t> </a:t>
+            </a:r>
+            <a:r>
+              <a:rPr/>
+              <a:t>minimum</a:t>
+            </a:r>
+            <a:r>
+              <a:rPr/>
+              <a:t> </a:t>
+            </a:r>
+            <a:r>
+              <a:rPr/>
+              <a:t>taxable</a:t>
+            </a:r>
+            <a:r>
+              <a:rPr/>
+              <a:t> </a:t>
+            </a:r>
+            <a:r>
+              <a:rPr/>
+              <a:t>income</a:t>
+            </a:r>
+            <a:r>
+              <a:rPr/>
+              <a:t> </a:t>
+            </a:r>
+            <a:r>
+              <a:rPr/>
+              <a:t>at</a:t>
+            </a:r>
+            <a:r>
+              <a:rPr/>
+              <a:t> </a:t>
+            </a:r>
+            <a:r>
+              <a:rPr/>
+              <a:t>which</a:t>
+            </a:r>
+            <a:r>
+              <a:rPr/>
+              <a:t> </a:t>
+            </a:r>
+            <a:r>
+              <a:rPr/>
+              <a:t>the</a:t>
+            </a:r>
+            <a:r>
+              <a:rPr/>
+              <a:t> </a:t>
+            </a:r>
+            <a:r>
+              <a:rPr/>
+              <a:t>marginal</a:t>
+            </a:r>
+            <a:r>
+              <a:rPr/>
+              <a:t> </a:t>
+            </a:r>
+            <a:r>
+              <a:rPr/>
+              <a:t>tax</a:t>
+            </a:r>
+            <a:r>
+              <a:rPr/>
+              <a:t> </a:t>
+            </a:r>
+            <a:r>
+              <a:rPr/>
+              <a:t>rate</a:t>
+            </a:r>
+            <a:r>
+              <a:rPr/>
+              <a:t> </a:t>
+            </a:r>
+            <a:r>
+              <a:rPr/>
+              <a:t>is</a:t>
+            </a:r>
+            <a:r>
+              <a:rPr/>
+              <a:t> </a:t>
+            </a:r>
+            <a:r>
+              <a:rPr/>
+              <a:t>greater</a:t>
+            </a:r>
+            <a:r>
+              <a:rPr/>
+              <a:t> </a:t>
+            </a:r>
+            <a:r>
+              <a:rPr/>
+              <a:t>than</a:t>
+            </a:r>
+            <a:r>
+              <a:rPr/>
+              <a:t> </a:t>
+            </a:r>
+            <a:r>
+              <a:rPr/>
+              <a:t>12.5%</a:t>
+            </a:r>
+            <a:r>
+              <a:rPr/>
+              <a:t> </a:t>
+            </a:r>
+            <a:r>
+              <a:rPr/>
+              <a:t>for</a:t>
+            </a:r>
+            <a:r>
+              <a:rPr/>
+              <a:t> </a:t>
+            </a:r>
+            <a:r>
+              <a:rPr/>
+              <a:t>that</a:t>
+            </a:r>
+            <a:r>
+              <a:rPr/>
+              <a:t> </a:t>
+            </a:r>
+            <a:r>
+              <a:rPr/>
+              <a:t>age</a:t>
+            </a:r>
+            <a:r>
+              <a:rPr/>
+              <a:t> </a:t>
+            </a:r>
+            <a:r>
+              <a:rPr/>
+              <a:t>and</a:t>
+            </a:r>
+            <a:r>
+              <a:rPr/>
+              <a:t> </a:t>
+            </a:r>
+            <a:r>
+              <a:rPr/>
+              <a:t>partner</a:t>
+            </a:r>
+            <a:r>
+              <a:rPr/>
+              <a:t> </a:t>
+            </a:r>
+            <a:r>
+              <a:rPr/>
+              <a:t>status.</a:t>
+            </a:r>
+            <a:r>
+              <a:rPr/>
+              <a:t> </a:t>
+            </a:r>
+            <a:r>
+              <a:rPr/>
+              <a:t>Source:</a:t>
+            </a:r>
+            <a:r>
+              <a:rPr/>
+              <a:t> </a:t>
+            </a:r>
+            <a:r>
+              <a:rPr/>
+              <a:t>ATO</a:t>
+            </a:r>
+            <a:r>
+              <a:rPr/>
+              <a:t> </a:t>
+            </a:r>
+            <a:r>
+              <a:rPr/>
+              <a:t>2017-18</a:t>
+            </a:r>
+            <a:r>
+              <a:rPr/>
+              <a:t> </a:t>
+            </a:r>
+            <a:r>
+              <a:rPr/>
+              <a:t>2%</a:t>
+            </a:r>
+            <a:r>
+              <a:rPr/>
+              <a:t> </a:t>
+            </a:r>
+            <a:r>
+              <a:rPr/>
+              <a:t>sample</a:t>
+            </a:r>
+            <a:r>
+              <a:rPr/>
+              <a:t> </a:t>
+            </a:r>
+            <a:r>
+              <a:rPr/>
+              <a:t>file.</a:t>
             </a:r>
           </a:p>
           <a:p>
@@ -4309,7 +5267,7 @@
           <p:spPr>
             <a:xfrm>
               <a:off x="1569235" y="1463187"/>
-              <a:ext cx="6951626" cy="4763274"/>
+              <a:ext cx="6951626" cy="3770853"/>
             </a:xfrm>
             <a:prstGeom prst="rect">
               <a:avLst/>
@@ -4334,7 +5292,7 @@
           </p:nvSpPr>
           <p:spPr>
             <a:xfrm>
-              <a:off x="1569235" y="6226462"/>
+              <a:off x="1569235" y="5234041"/>
               <a:ext cx="6951626" cy="0"/>
             </a:xfrm>
             <a:custGeom>
@@ -4377,7 +5335,7 @@
           </p:nvSpPr>
           <p:spPr>
             <a:xfrm>
-              <a:off x="1569235" y="4461724"/>
+              <a:off x="1569235" y="3557572"/>
               <a:ext cx="6951626" cy="0"/>
             </a:xfrm>
             <a:custGeom>
@@ -4420,7 +5378,7 @@
           </p:nvSpPr>
           <p:spPr>
             <a:xfrm>
-              <a:off x="1569235" y="2696986"/>
+              <a:off x="1569235" y="1881103"/>
               <a:ext cx="6951626" cy="0"/>
             </a:xfrm>
             <a:custGeom>
@@ -4463,8 +5421,8 @@
           </p:nvSpPr>
           <p:spPr>
             <a:xfrm>
-              <a:off x="1671465" y="6147432"/>
-              <a:ext cx="153344" cy="79029"/>
+              <a:off x="1671465" y="5171477"/>
+              <a:ext cx="153344" cy="62564"/>
             </a:xfrm>
             <a:prstGeom prst="rect">
               <a:avLst/>
@@ -4498,8 +5456,8 @@
           </p:nvSpPr>
           <p:spPr>
             <a:xfrm>
-              <a:off x="1824809" y="6218127"/>
-              <a:ext cx="153344" cy="8335"/>
+              <a:off x="1824809" y="5227428"/>
+              <a:ext cx="153344" cy="6612"/>
             </a:xfrm>
             <a:prstGeom prst="rect">
               <a:avLst/>
@@ -4533,8 +5491,8 @@
           </p:nvSpPr>
           <p:spPr>
             <a:xfrm>
-              <a:off x="1978154" y="6217912"/>
-              <a:ext cx="153344" cy="8549"/>
+              <a:off x="1978154" y="5227273"/>
+              <a:ext cx="153344" cy="6768"/>
             </a:xfrm>
             <a:prstGeom prst="rect">
               <a:avLst/>
@@ -4568,8 +5526,8 @@
           </p:nvSpPr>
           <p:spPr>
             <a:xfrm>
-              <a:off x="2131499" y="6221070"/>
-              <a:ext cx="153344" cy="5392"/>
+              <a:off x="2131499" y="5229766"/>
+              <a:ext cx="153344" cy="4274"/>
             </a:xfrm>
             <a:prstGeom prst="rect">
               <a:avLst/>
@@ -4603,8 +5561,8 @@
           </p:nvSpPr>
           <p:spPr>
             <a:xfrm>
-              <a:off x="2352997" y="6043845"/>
-              <a:ext cx="153344" cy="182617"/>
+              <a:off x="2352997" y="5089472"/>
+              <a:ext cx="153344" cy="144569"/>
             </a:xfrm>
             <a:prstGeom prst="rect">
               <a:avLst/>
@@ -4638,8 +5596,8 @@
           </p:nvSpPr>
           <p:spPr>
             <a:xfrm>
-              <a:off x="2506341" y="6225531"/>
-              <a:ext cx="153344" cy="930"/>
+              <a:off x="2506341" y="5233304"/>
+              <a:ext cx="153344" cy="737"/>
             </a:xfrm>
             <a:prstGeom prst="rect">
               <a:avLst/>
@@ -4673,8 +5631,8 @@
           </p:nvSpPr>
           <p:spPr>
             <a:xfrm>
-              <a:off x="2659686" y="6225375"/>
-              <a:ext cx="153344" cy="1086"/>
+              <a:off x="2659686" y="5233180"/>
+              <a:ext cx="153344" cy="860"/>
             </a:xfrm>
             <a:prstGeom prst="rect">
               <a:avLst/>
@@ -4708,7 +5666,7 @@
           </p:nvSpPr>
           <p:spPr>
             <a:xfrm>
-              <a:off x="2813031" y="6226462"/>
+              <a:off x="2813031" y="5234041"/>
               <a:ext cx="153344" cy="0"/>
             </a:xfrm>
             <a:prstGeom prst="rect">
@@ -4743,8 +5701,8 @@
           </p:nvSpPr>
           <p:spPr>
             <a:xfrm>
-              <a:off x="3034529" y="5966270"/>
-              <a:ext cx="153344" cy="260191"/>
+              <a:off x="3034529" y="5028060"/>
+              <a:ext cx="153344" cy="205981"/>
             </a:xfrm>
             <a:prstGeom prst="rect">
               <a:avLst/>
@@ -4778,8 +5736,8 @@
           </p:nvSpPr>
           <p:spPr>
             <a:xfrm>
-              <a:off x="3187873" y="6159609"/>
-              <a:ext cx="153344" cy="66853"/>
+              <a:off x="3187873" y="5181092"/>
+              <a:ext cx="153344" cy="52949"/>
             </a:xfrm>
             <a:prstGeom prst="rect">
               <a:avLst/>
@@ -4813,8 +5771,8 @@
           </p:nvSpPr>
           <p:spPr>
             <a:xfrm>
-              <a:off x="3341218" y="6211075"/>
-              <a:ext cx="153344" cy="15386"/>
+              <a:off x="3341218" y="5221860"/>
+              <a:ext cx="153344" cy="12180"/>
             </a:xfrm>
             <a:prstGeom prst="rect">
               <a:avLst/>
@@ -4848,8 +5806,8 @@
           </p:nvSpPr>
           <p:spPr>
             <a:xfrm>
-              <a:off x="3494563" y="6225709"/>
-              <a:ext cx="153344" cy="752"/>
+              <a:off x="3494563" y="5233445"/>
+              <a:ext cx="153344" cy="596"/>
             </a:xfrm>
             <a:prstGeom prst="rect">
               <a:avLst/>
@@ -4883,8 +5841,8 @@
           </p:nvSpPr>
           <p:spPr>
             <a:xfrm>
-              <a:off x="3716061" y="5843962"/>
-              <a:ext cx="153344" cy="382499"/>
+              <a:off x="3716061" y="4931234"/>
+              <a:ext cx="153344" cy="302806"/>
             </a:xfrm>
             <a:prstGeom prst="rect">
               <a:avLst/>
@@ -4918,8 +5876,8 @@
           </p:nvSpPr>
           <p:spPr>
             <a:xfrm>
-              <a:off x="3869405" y="5994226"/>
-              <a:ext cx="153344" cy="232235"/>
+              <a:off x="3869405" y="5050166"/>
+              <a:ext cx="153344" cy="183874"/>
             </a:xfrm>
             <a:prstGeom prst="rect">
               <a:avLst/>
@@ -4953,8 +5911,8 @@
           </p:nvSpPr>
           <p:spPr>
             <a:xfrm>
-              <a:off x="4022750" y="6169685"/>
-              <a:ext cx="153344" cy="56776"/>
+              <a:off x="4022750" y="5189094"/>
+              <a:ext cx="153344" cy="44947"/>
             </a:xfrm>
             <a:prstGeom prst="rect">
               <a:avLst/>
@@ -4988,8 +5946,8 @@
           </p:nvSpPr>
           <p:spPr>
             <a:xfrm>
-              <a:off x="4176095" y="6224339"/>
-              <a:ext cx="153344" cy="2122"/>
+              <a:off x="4176095" y="5232360"/>
+              <a:ext cx="153344" cy="1681"/>
             </a:xfrm>
             <a:prstGeom prst="rect">
               <a:avLst/>
@@ -5023,8 +5981,8 @@
           </p:nvSpPr>
           <p:spPr>
             <a:xfrm>
-              <a:off x="4397593" y="5702643"/>
-              <a:ext cx="153344" cy="523819"/>
+              <a:off x="4397593" y="4819358"/>
+              <a:ext cx="153344" cy="414682"/>
             </a:xfrm>
             <a:prstGeom prst="rect">
               <a:avLst/>
@@ -5058,8 +6016,8 @@
           </p:nvSpPr>
           <p:spPr>
             <a:xfrm>
-              <a:off x="4550938" y="5825715"/>
-              <a:ext cx="153344" cy="400747"/>
+              <a:off x="4550938" y="4916776"/>
+              <a:ext cx="153344" cy="317264"/>
             </a:xfrm>
             <a:prstGeom prst="rect">
               <a:avLst/>
@@ -5093,8 +6051,8 @@
           </p:nvSpPr>
           <p:spPr>
             <a:xfrm>
-              <a:off x="4704282" y="6102018"/>
-              <a:ext cx="153344" cy="124443"/>
+              <a:off x="4704282" y="5135525"/>
+              <a:ext cx="153344" cy="98516"/>
             </a:xfrm>
             <a:prstGeom prst="rect">
               <a:avLst/>
@@ -5128,8 +6086,8 @@
           </p:nvSpPr>
           <p:spPr>
             <a:xfrm>
-              <a:off x="4857627" y="6209036"/>
-              <a:ext cx="153344" cy="17426"/>
+              <a:off x="4857627" y="5220238"/>
+              <a:ext cx="153344" cy="13802"/>
             </a:xfrm>
             <a:prstGeom prst="rect">
               <a:avLst/>
@@ -5163,8 +6121,8 @@
           </p:nvSpPr>
           <p:spPr>
             <a:xfrm>
-              <a:off x="5079125" y="5529107"/>
-              <a:ext cx="153344" cy="697354"/>
+              <a:off x="5079125" y="4681979"/>
+              <a:ext cx="153344" cy="552062"/>
             </a:xfrm>
             <a:prstGeom prst="rect">
               <a:avLst/>
@@ -5198,8 +6156,8 @@
           </p:nvSpPr>
           <p:spPr>
             <a:xfrm>
-              <a:off x="5232470" y="5623918"/>
-              <a:ext cx="153344" cy="602544"/>
+              <a:off x="5232470" y="4757024"/>
+              <a:ext cx="153344" cy="477016"/>
             </a:xfrm>
             <a:prstGeom prst="rect">
               <a:avLst/>
@@ -5233,8 +6191,8 @@
           </p:nvSpPr>
           <p:spPr>
             <a:xfrm>
-              <a:off x="5385814" y="6015218"/>
-              <a:ext cx="153344" cy="211243"/>
+              <a:off x="5385814" y="5066810"/>
+              <a:ext cx="153344" cy="167231"/>
             </a:xfrm>
             <a:prstGeom prst="rect">
               <a:avLst/>
@@ -5268,8 +6226,8 @@
           </p:nvSpPr>
           <p:spPr>
             <a:xfrm>
-              <a:off x="5539159" y="6106911"/>
-              <a:ext cx="153344" cy="119550"/>
+              <a:off x="5539159" y="5139387"/>
+              <a:ext cx="153344" cy="94654"/>
             </a:xfrm>
             <a:prstGeom prst="rect">
               <a:avLst/>
@@ -5303,8 +6261,8 @@
           </p:nvSpPr>
           <p:spPr>
             <a:xfrm>
-              <a:off x="5760657" y="5336598"/>
-              <a:ext cx="153344" cy="889863"/>
+              <a:off x="5760657" y="4529579"/>
+              <a:ext cx="153344" cy="704461"/>
             </a:xfrm>
             <a:prstGeom prst="rect">
               <a:avLst/>
@@ -5338,8 +6296,8 @@
           </p:nvSpPr>
           <p:spPr>
             <a:xfrm>
-              <a:off x="5914002" y="5397369"/>
-              <a:ext cx="153344" cy="829093"/>
+              <a:off x="5914002" y="4577675"/>
+              <a:ext cx="153344" cy="656366"/>
             </a:xfrm>
             <a:prstGeom prst="rect">
               <a:avLst/>
@@ -5373,8 +6331,8 @@
           </p:nvSpPr>
           <p:spPr>
             <a:xfrm>
-              <a:off x="6067346" y="5906975"/>
-              <a:ext cx="153344" cy="319486"/>
+              <a:off x="6067346" y="4981119"/>
+              <a:ext cx="153344" cy="252922"/>
             </a:xfrm>
             <a:prstGeom prst="rect">
               <a:avLst/>
@@ -5408,8 +6366,8 @@
           </p:nvSpPr>
           <p:spPr>
             <a:xfrm>
-              <a:off x="6220691" y="5966921"/>
-              <a:ext cx="153344" cy="259540"/>
+              <a:off x="6220691" y="5028562"/>
+              <a:ext cx="153344" cy="205478"/>
             </a:xfrm>
             <a:prstGeom prst="rect">
               <a:avLst/>
@@ -5443,8 +6401,8 @@
           </p:nvSpPr>
           <p:spPr>
             <a:xfrm>
-              <a:off x="6442189" y="5001796"/>
-              <a:ext cx="153344" cy="1224665"/>
+              <a:off x="6442189" y="4264533"/>
+              <a:ext cx="153344" cy="969508"/>
             </a:xfrm>
             <a:prstGeom prst="rect">
               <a:avLst/>
@@ -5478,8 +6436,8 @@
           </p:nvSpPr>
           <p:spPr>
             <a:xfrm>
-              <a:off x="6595534" y="5052478"/>
-              <a:ext cx="153344" cy="1173984"/>
+              <a:off x="6595534" y="4304641"/>
+              <a:ext cx="153344" cy="929400"/>
             </a:xfrm>
             <a:prstGeom prst="rect">
               <a:avLst/>
@@ -5513,8 +6471,8 @@
           </p:nvSpPr>
           <p:spPr>
             <a:xfrm>
-              <a:off x="6748878" y="5674818"/>
-              <a:ext cx="153344" cy="551644"/>
+              <a:off x="6748878" y="4797331"/>
+              <a:ext cx="153344" cy="436709"/>
             </a:xfrm>
             <a:prstGeom prst="rect">
               <a:avLst/>
@@ -5548,8 +6506,8 @@
           </p:nvSpPr>
           <p:spPr>
             <a:xfrm>
-              <a:off x="6902223" y="5724862"/>
-              <a:ext cx="153344" cy="501599"/>
+              <a:off x="6902223" y="4836935"/>
+              <a:ext cx="153344" cy="397105"/>
             </a:xfrm>
             <a:prstGeom prst="rect">
               <a:avLst/>
@@ -5583,8 +6541,8 @@
           </p:nvSpPr>
           <p:spPr>
             <a:xfrm>
-              <a:off x="7123721" y="4441733"/>
-              <a:ext cx="153344" cy="1784729"/>
+              <a:off x="7123721" y="3821157"/>
+              <a:ext cx="153344" cy="1412883"/>
             </a:xfrm>
             <a:prstGeom prst="rect">
               <a:avLst/>
@@ -5618,8 +6576,8 @@
           </p:nvSpPr>
           <p:spPr>
             <a:xfrm>
-              <a:off x="7277066" y="4479726"/>
-              <a:ext cx="153344" cy="1746735"/>
+              <a:off x="7277066" y="3851228"/>
+              <a:ext cx="153344" cy="1382812"/>
             </a:xfrm>
             <a:prstGeom prst="rect">
               <a:avLst/>
@@ -5653,8 +6611,8 @@
           </p:nvSpPr>
           <p:spPr>
             <a:xfrm>
-              <a:off x="7430410" y="5233962"/>
-              <a:ext cx="153344" cy="992499"/>
+              <a:off x="7430410" y="4448327"/>
+              <a:ext cx="153344" cy="785714"/>
             </a:xfrm>
             <a:prstGeom prst="rect">
               <a:avLst/>
@@ -5688,8 +6646,8 @@
           </p:nvSpPr>
           <p:spPr>
             <a:xfrm>
-              <a:off x="7583755" y="5271578"/>
-              <a:ext cx="153344" cy="954883"/>
+              <a:off x="7583755" y="4478100"/>
+              <a:ext cx="153344" cy="755941"/>
             </a:xfrm>
             <a:prstGeom prst="rect">
               <a:avLst/>
@@ -5723,8 +6681,8 @@
           </p:nvSpPr>
           <p:spPr>
             <a:xfrm>
-              <a:off x="7805253" y="1533581"/>
-              <a:ext cx="153344" cy="4692881"/>
+              <a:off x="7805253" y="1518914"/>
+              <a:ext cx="153344" cy="3715126"/>
             </a:xfrm>
             <a:prstGeom prst="rect">
               <a:avLst/>
@@ -5758,8 +6716,8 @@
           </p:nvSpPr>
           <p:spPr>
             <a:xfrm>
-              <a:off x="7958598" y="1547120"/>
-              <a:ext cx="153344" cy="4679342"/>
+              <a:off x="7958598" y="1529618"/>
+              <a:ext cx="153344" cy="3704422"/>
             </a:xfrm>
             <a:prstGeom prst="rect">
               <a:avLst/>
@@ -5793,8 +6751,8 @@
           </p:nvSpPr>
           <p:spPr>
             <a:xfrm>
-              <a:off x="8111942" y="2433718"/>
-              <a:ext cx="153344" cy="3792744"/>
+              <a:off x="8111942" y="2231509"/>
+              <a:ext cx="153344" cy="3002531"/>
             </a:xfrm>
             <a:prstGeom prst="rect">
               <a:avLst/>
@@ -5828,8 +6786,8 @@
           </p:nvSpPr>
           <p:spPr>
             <a:xfrm>
-              <a:off x="8265287" y="2446667"/>
-              <a:ext cx="153344" cy="3779794"/>
+              <a:off x="8265287" y="2241747"/>
+              <a:ext cx="153344" cy="2992294"/>
             </a:xfrm>
             <a:prstGeom prst="rect">
               <a:avLst/>
@@ -5863,7 +6821,7 @@
           </p:nvSpPr>
           <p:spPr>
             <a:xfrm>
-              <a:off x="1212476" y="6106023"/>
+              <a:off x="1212476" y="5113602"/>
               <a:ext cx="254272" cy="202257"/>
             </a:xfrm>
             <a:prstGeom prst="rect">
@@ -5909,7 +6867,7 @@
           </p:nvSpPr>
           <p:spPr>
             <a:xfrm>
-              <a:off x="767555" y="4332467"/>
+              <a:off x="767555" y="3428315"/>
               <a:ext cx="699194" cy="211075"/>
             </a:xfrm>
             <a:prstGeom prst="rect">
@@ -5955,7 +6913,7 @@
           </p:nvSpPr>
           <p:spPr>
             <a:xfrm>
-              <a:off x="640418" y="2567729"/>
+              <a:off x="640418" y="1751846"/>
               <a:ext cx="826330" cy="211075"/>
             </a:xfrm>
             <a:prstGeom prst="rect">
@@ -6001,7 +6959,7 @@
           </p:nvSpPr>
           <p:spPr>
             <a:xfrm>
-              <a:off x="1569235" y="6226462"/>
+              <a:off x="1569235" y="5234041"/>
               <a:ext cx="6951626" cy="0"/>
             </a:xfrm>
             <a:custGeom>
@@ -6041,7 +6999,7 @@
           </p:nvSpPr>
           <p:spPr>
             <a:xfrm>
-              <a:off x="1978154" y="6226462"/>
+              <a:off x="1978154" y="5234041"/>
               <a:ext cx="0" cy="56936"/>
             </a:xfrm>
             <a:custGeom>
@@ -6081,7 +7039,7 @@
           </p:nvSpPr>
           <p:spPr>
             <a:xfrm>
-              <a:off x="2659686" y="6226462"/>
+              <a:off x="2659686" y="5234041"/>
               <a:ext cx="0" cy="56936"/>
             </a:xfrm>
             <a:custGeom>
@@ -6121,7 +7079,7 @@
           </p:nvSpPr>
           <p:spPr>
             <a:xfrm>
-              <a:off x="3341218" y="6226462"/>
+              <a:off x="3341218" y="5234041"/>
               <a:ext cx="0" cy="56936"/>
             </a:xfrm>
             <a:custGeom>
@@ -6161,7 +7119,7 @@
           </p:nvSpPr>
           <p:spPr>
             <a:xfrm>
-              <a:off x="4022750" y="6226462"/>
+              <a:off x="4022750" y="5234041"/>
               <a:ext cx="0" cy="56936"/>
             </a:xfrm>
             <a:custGeom>
@@ -6201,7 +7159,7 @@
           </p:nvSpPr>
           <p:spPr>
             <a:xfrm>
-              <a:off x="4704282" y="6226462"/>
+              <a:off x="4704282" y="5234041"/>
               <a:ext cx="0" cy="56936"/>
             </a:xfrm>
             <a:custGeom>
@@ -6241,7 +7199,7 @@
           </p:nvSpPr>
           <p:spPr>
             <a:xfrm>
-              <a:off x="5385814" y="6226462"/>
+              <a:off x="5385814" y="5234041"/>
               <a:ext cx="0" cy="56936"/>
             </a:xfrm>
             <a:custGeom>
@@ -6281,7 +7239,7 @@
           </p:nvSpPr>
           <p:spPr>
             <a:xfrm>
-              <a:off x="6067346" y="6226462"/>
+              <a:off x="6067346" y="5234041"/>
               <a:ext cx="0" cy="56936"/>
             </a:xfrm>
             <a:custGeom>
@@ -6321,7 +7279,7 @@
           </p:nvSpPr>
           <p:spPr>
             <a:xfrm>
-              <a:off x="6748878" y="6226462"/>
+              <a:off x="6748878" y="5234041"/>
               <a:ext cx="0" cy="56936"/>
             </a:xfrm>
             <a:custGeom>
@@ -6361,7 +7319,7 @@
           </p:nvSpPr>
           <p:spPr>
             <a:xfrm>
-              <a:off x="7430410" y="6226462"/>
+              <a:off x="7430410" y="5234041"/>
               <a:ext cx="0" cy="56936"/>
             </a:xfrm>
             <a:custGeom>
@@ -6401,7 +7359,7 @@
           </p:nvSpPr>
           <p:spPr>
             <a:xfrm>
-              <a:off x="8111942" y="6226462"/>
+              <a:off x="8111942" y="5234041"/>
               <a:ext cx="0" cy="56936"/>
             </a:xfrm>
             <a:custGeom>
@@ -6441,7 +7399,7 @@
           </p:nvSpPr>
           <p:spPr>
             <a:xfrm>
-              <a:off x="1914586" y="6328278"/>
+              <a:off x="1914586" y="5335857"/>
               <a:ext cx="127136" cy="164306"/>
             </a:xfrm>
             <a:prstGeom prst="rect">
@@ -6487,7 +7445,7 @@
           </p:nvSpPr>
           <p:spPr>
             <a:xfrm>
-              <a:off x="2596118" y="6328278"/>
+              <a:off x="2596118" y="5335857"/>
               <a:ext cx="127136" cy="164306"/>
             </a:xfrm>
             <a:prstGeom prst="rect">
@@ -6533,7 +7491,7 @@
           </p:nvSpPr>
           <p:spPr>
             <a:xfrm>
-              <a:off x="3277650" y="6325376"/>
+              <a:off x="3277650" y="5332955"/>
               <a:ext cx="127136" cy="167208"/>
             </a:xfrm>
             <a:prstGeom prst="rect">
@@ -6579,7 +7537,7 @@
           </p:nvSpPr>
           <p:spPr>
             <a:xfrm>
-              <a:off x="3959182" y="6328948"/>
+              <a:off x="3959182" y="5336526"/>
               <a:ext cx="127136" cy="163636"/>
             </a:xfrm>
             <a:prstGeom prst="rect">
@@ -6625,7 +7583,7 @@
           </p:nvSpPr>
           <p:spPr>
             <a:xfrm>
-              <a:off x="4640714" y="6328389"/>
+              <a:off x="4640714" y="5335968"/>
               <a:ext cx="127136" cy="164194"/>
             </a:xfrm>
             <a:prstGeom prst="rect">
@@ -6671,7 +7629,7 @@
           </p:nvSpPr>
           <p:spPr>
             <a:xfrm>
-              <a:off x="5322246" y="6325487"/>
+              <a:off x="5322246" y="5333066"/>
               <a:ext cx="127136" cy="167096"/>
             </a:xfrm>
             <a:prstGeom prst="rect">
@@ -6717,7 +7675,7 @@
           </p:nvSpPr>
           <p:spPr>
             <a:xfrm>
-              <a:off x="6003778" y="6331068"/>
+              <a:off x="6003778" y="5338647"/>
               <a:ext cx="127136" cy="161515"/>
             </a:xfrm>
             <a:prstGeom prst="rect">
@@ -6763,7 +7721,7 @@
           </p:nvSpPr>
           <p:spPr>
             <a:xfrm>
-              <a:off x="6685310" y="6325487"/>
+              <a:off x="6685310" y="5333066"/>
               <a:ext cx="127136" cy="167096"/>
             </a:xfrm>
             <a:prstGeom prst="rect">
@@ -6809,7 +7767,7 @@
           </p:nvSpPr>
           <p:spPr>
             <a:xfrm>
-              <a:off x="7366842" y="6325487"/>
+              <a:off x="7366842" y="5333066"/>
               <a:ext cx="127136" cy="167096"/>
             </a:xfrm>
             <a:prstGeom prst="rect">
@@ -6855,7 +7813,7 @@
           </p:nvSpPr>
           <p:spPr>
             <a:xfrm>
-              <a:off x="7984806" y="6325487"/>
+              <a:off x="7984806" y="5333066"/>
               <a:ext cx="254272" cy="167096"/>
             </a:xfrm>
             <a:prstGeom prst="rect">
@@ -6901,7 +7859,7 @@
           </p:nvSpPr>
           <p:spPr>
             <a:xfrm>
-              <a:off x="4727430" y="6594950"/>
+              <a:off x="4727430" y="5602529"/>
               <a:ext cx="635235" cy="166315"/>
             </a:xfrm>
             <a:prstGeom prst="rect">
@@ -6948,7 +7906,7 @@
           <p:spPr>
             <a:xfrm>
               <a:off x="1569235" y="1463187"/>
-              <a:ext cx="5767424" cy="1207741"/>
+              <a:ext cx="6873254" cy="960853"/>
             </a:xfrm>
             <a:prstGeom prst="rect">
               <a:avLst/>
@@ -7157,7 +8115,7 @@
           <p:spPr>
             <a:xfrm>
               <a:off x="1569235" y="2212296"/>
-              <a:ext cx="182880" cy="458633"/>
+              <a:ext cx="182880" cy="211745"/>
             </a:xfrm>
             <a:prstGeom prst="rect">
               <a:avLst/>
@@ -7183,7 +8141,7 @@
           <p:spPr>
             <a:xfrm>
               <a:off x="1573980" y="2217041"/>
-              <a:ext cx="173390" cy="449143"/>
+              <a:ext cx="173390" cy="202255"/>
             </a:xfrm>
             <a:prstGeom prst="rect">
               <a:avLst/>
@@ -7218,7 +8176,7 @@
           <p:spPr>
             <a:xfrm>
               <a:off x="1865988" y="1550216"/>
-              <a:ext cx="3011760" cy="214535"/>
+              <a:ext cx="2719536" cy="214535"/>
             </a:xfrm>
             <a:prstGeom prst="rect">
               <a:avLst/>
@@ -7250,7 +8208,7 @@
                   <a:latin typeface="Arial"/>
                   <a:cs typeface="Arial"/>
                 </a:rPr>
-                <a:t>15% tax on all super earnings</a:t>
+                <a:t>15% tax on super earnings</a:t>
               </a:r>
             </a:p>
           </p:txBody>
@@ -7264,7 +8222,7 @@
           <p:spPr>
             <a:xfrm>
               <a:off x="1865988" y="1761961"/>
-              <a:ext cx="5413734" cy="214535"/>
+              <a:ext cx="5121510" cy="214535"/>
             </a:xfrm>
             <a:prstGeom prst="rect">
               <a:avLst/>
@@ -7296,7 +8254,7 @@
                   <a:latin typeface="Arial"/>
                   <a:cs typeface="Arial"/>
                 </a:rPr>
-                <a:t>15% tax on all super earnings after behaviour change</a:t>
+                <a:t>15% tax on super earnings after behaviour change</a:t>
               </a:r>
             </a:p>
           </p:txBody>
@@ -7356,7 +8314,7 @@
           <p:spPr>
             <a:xfrm>
               <a:off x="1865988" y="2173173"/>
-              <a:ext cx="4117590" cy="226814"/>
+              <a:ext cx="6519564" cy="226814"/>
             </a:xfrm>
             <a:prstGeom prst="rect">
               <a:avLst/>
@@ -7388,7 +8346,7 @@
                   <a:latin typeface="Arial"/>
                   <a:cs typeface="Arial"/>
                 </a:rPr>
-                <a:t>15% tax on super earnings over $20,000</a:t>
+                <a:t>15% tax on super earnings over $20,000 after behaviour change</a:t>
               </a:r>
             </a:p>
           </p:txBody>
@@ -7401,8 +8359,8 @@
           </p:nvSpPr>
           <p:spPr>
             <a:xfrm>
-              <a:off x="1865988" y="2432339"/>
-              <a:ext cx="2338461" cy="214535"/>
+              <a:off x="640418" y="5978864"/>
+              <a:ext cx="7807211" cy="118695"/>
             </a:xfrm>
             <a:prstGeom prst="rect">
               <a:avLst/>
@@ -7415,7 +8373,7 @@
             <a:p>
               <a:pPr algn="l" marL="0" marR="0" indent="0">
                 <a:lnSpc>
-                  <a:spcPts val="1800"/>
+                  <a:spcPts val="999"/>
                 </a:lnSpc>
                 <a:spcBef>
                   <a:spcPts val="0"/>
@@ -7425,7 +8383,7 @@
                 </a:spcAft>
               </a:pPr>
               <a:r>
-                <a:rPr sz="1800">
+                <a:rPr sz="999" i="1">
                   <a:solidFill>
                     <a:srgbClr val="000000">
                       <a:alpha val="100000"/>
@@ -7434,7 +8392,237 @@
                   <a:latin typeface="Arial"/>
                   <a:cs typeface="Arial"/>
                 </a:rPr>
-                <a:t>after behaviour change</a:t>
+                <a:t>Note: Earnings estimated as 5% of super balances. Effective earnings tax assumed to be 12.5%. Behavioural response assumed to be that</a:t>
+              </a:r>
+            </a:p>
+          </p:txBody>
+        </p:sp>
+        <p:sp>
+          <p:nvSpPr>
+            <p:cNvPr id="90" name="tx88"/>
+            <p:cNvSpPr/>
+            <p:nvPr/>
+          </p:nvSpPr>
+          <p:spPr>
+            <a:xfrm>
+              <a:off x="640418" y="6115887"/>
+              <a:ext cx="7506631" cy="118695"/>
+            </a:xfrm>
+            <a:prstGeom prst="rect">
+              <a:avLst/>
+            </a:prstGeom>
+            <a:noFill/>
+          </p:spPr>
+          <p:txBody>
+            <a:bodyPr lIns="0" rIns="0" tIns="0" bIns="0" anchorCtr="1" anchor="ctr" wrap="none"/>
+            <a:lstStyle/>
+            <a:p>
+              <a:pPr algn="l" marL="0" marR="0" indent="0">
+                <a:lnSpc>
+                  <a:spcPts val="999"/>
+                </a:lnSpc>
+                <a:spcBef>
+                  <a:spcPts val="0"/>
+                </a:spcBef>
+                <a:spcAft>
+                  <a:spcPts val="0"/>
+                </a:spcAft>
+              </a:pPr>
+              <a:r>
+                <a:rPr sz="999" i="1">
+                  <a:solidFill>
+                    <a:srgbClr val="000000">
+                      <a:alpha val="100000"/>
+                    </a:srgbClr>
+                  </a:solidFill>
+                  <a:latin typeface="Arial"/>
+                  <a:cs typeface="Arial"/>
+                </a:rPr>
+                <a:t>individuals whose taxable income is below either the tax-free threshold or the taxable income at which most people's marginal tax rate</a:t>
+              </a:r>
+            </a:p>
+          </p:txBody>
+        </p:sp>
+        <p:sp>
+          <p:nvSpPr>
+            <p:cNvPr id="91" name="tx89"/>
+            <p:cNvSpPr/>
+            <p:nvPr/>
+          </p:nvSpPr>
+          <p:spPr>
+            <a:xfrm>
+              <a:off x="640418" y="6252910"/>
+              <a:ext cx="7764528" cy="118695"/>
+            </a:xfrm>
+            <a:prstGeom prst="rect">
+              <a:avLst/>
+            </a:prstGeom>
+            <a:noFill/>
+          </p:spPr>
+          <p:txBody>
+            <a:bodyPr lIns="0" rIns="0" tIns="0" bIns="0" anchorCtr="1" anchor="ctr" wrap="none"/>
+            <a:lstStyle/>
+            <a:p>
+              <a:pPr algn="l" marL="0" marR="0" indent="0">
+                <a:lnSpc>
+                  <a:spcPts val="999"/>
+                </a:lnSpc>
+                <a:spcBef>
+                  <a:spcPts val="0"/>
+                </a:spcBef>
+                <a:spcAft>
+                  <a:spcPts val="0"/>
+                </a:spcAft>
+              </a:pPr>
+              <a:r>
+                <a:rPr sz="999" i="1">
+                  <a:solidFill>
+                    <a:srgbClr val="000000">
+                      <a:alpha val="100000"/>
+                    </a:srgbClr>
+                  </a:solidFill>
+                  <a:latin typeface="Arial"/>
+                  <a:cs typeface="Arial"/>
+                </a:rPr>
+                <a:t>exceeds 12.5% would transfer as much super earnings into their taxable income as would reduce their tax. The effective tax-free threshold</a:t>
+              </a:r>
+            </a:p>
+          </p:txBody>
+        </p:sp>
+        <p:sp>
+          <p:nvSpPr>
+            <p:cNvPr id="92" name="tx90"/>
+            <p:cNvSpPr/>
+            <p:nvPr/>
+          </p:nvSpPr>
+          <p:spPr>
+            <a:xfrm>
+              <a:off x="640418" y="6385039"/>
+              <a:ext cx="8011893" cy="123589"/>
+            </a:xfrm>
+            <a:prstGeom prst="rect">
+              <a:avLst/>
+            </a:prstGeom>
+            <a:noFill/>
+          </p:spPr>
+          <p:txBody>
+            <a:bodyPr lIns="0" rIns="0" tIns="0" bIns="0" anchorCtr="1" anchor="ctr" wrap="none"/>
+            <a:lstStyle/>
+            <a:p>
+              <a:pPr algn="l" marL="0" marR="0" indent="0">
+                <a:lnSpc>
+                  <a:spcPts val="999"/>
+                </a:lnSpc>
+                <a:spcBef>
+                  <a:spcPts val="0"/>
+                </a:spcBef>
+                <a:spcAft>
+                  <a:spcPts val="0"/>
+                </a:spcAft>
+              </a:pPr>
+              <a:r>
+                <a:rPr sz="999" i="1">
+                  <a:solidFill>
+                    <a:srgbClr val="000000">
+                      <a:alpha val="100000"/>
+                    </a:srgbClr>
+                  </a:solidFill>
+                  <a:latin typeface="Arial"/>
+                  <a:cs typeface="Arial"/>
+                </a:rPr>
+                <a:t>is the most common taxable income in which people of that age and partner status pay between $1 and $100 income tax. The threshold for the</a:t>
+              </a:r>
+            </a:p>
+          </p:txBody>
+        </p:sp>
+        <p:sp>
+          <p:nvSpPr>
+            <p:cNvPr id="93" name="tx91"/>
+            <p:cNvSpPr/>
+            <p:nvPr/>
+          </p:nvSpPr>
+          <p:spPr>
+            <a:xfrm>
+              <a:off x="640418" y="6526956"/>
+              <a:ext cx="7616344" cy="118695"/>
+            </a:xfrm>
+            <a:prstGeom prst="rect">
+              <a:avLst/>
+            </a:prstGeom>
+            <a:noFill/>
+          </p:spPr>
+          <p:txBody>
+            <a:bodyPr lIns="0" rIns="0" tIns="0" bIns="0" anchorCtr="1" anchor="ctr" wrap="none"/>
+            <a:lstStyle/>
+            <a:p>
+              <a:pPr algn="l" marL="0" marR="0" indent="0">
+                <a:lnSpc>
+                  <a:spcPts val="999"/>
+                </a:lnSpc>
+                <a:spcBef>
+                  <a:spcPts val="0"/>
+                </a:spcBef>
+                <a:spcAft>
+                  <a:spcPts val="0"/>
+                </a:spcAft>
+              </a:pPr>
+              <a:r>
+                <a:rPr sz="999" i="1">
+                  <a:solidFill>
+                    <a:srgbClr val="000000">
+                      <a:alpha val="100000"/>
+                    </a:srgbClr>
+                  </a:solidFill>
+                  <a:latin typeface="Arial"/>
+                  <a:cs typeface="Arial"/>
+                </a:rPr>
+                <a:t>12.5% marginal rate is the minimum taxable income at which the marginal tax rate is greater than 12.5% for that age and partner status.</a:t>
+              </a:r>
+            </a:p>
+          </p:txBody>
+        </p:sp>
+        <p:sp>
+          <p:nvSpPr>
+            <p:cNvPr id="94" name="tx92"/>
+            <p:cNvSpPr/>
+            <p:nvPr/>
+          </p:nvSpPr>
+          <p:spPr>
+            <a:xfrm>
+              <a:off x="640418" y="6665094"/>
+              <a:ext cx="2129707" cy="117580"/>
+            </a:xfrm>
+            <a:prstGeom prst="rect">
+              <a:avLst/>
+            </a:prstGeom>
+            <a:noFill/>
+          </p:spPr>
+          <p:txBody>
+            <a:bodyPr lIns="0" rIns="0" tIns="0" bIns="0" anchorCtr="1" anchor="ctr" wrap="none"/>
+            <a:lstStyle/>
+            <a:p>
+              <a:pPr algn="l" marL="0" marR="0" indent="0">
+                <a:lnSpc>
+                  <a:spcPts val="999"/>
+                </a:lnSpc>
+                <a:spcBef>
+                  <a:spcPts val="0"/>
+                </a:spcBef>
+                <a:spcAft>
+                  <a:spcPts val="0"/>
+                </a:spcAft>
+              </a:pPr>
+              <a:r>
+                <a:rPr sz="999" i="1">
+                  <a:solidFill>
+                    <a:srgbClr val="000000">
+                      <a:alpha val="100000"/>
+                    </a:srgbClr>
+                  </a:solidFill>
+                  <a:latin typeface="Arial"/>
+                  <a:cs typeface="Arial"/>
+                </a:rPr>
+                <a:t>Source: ATO 2017-18 2% sample file.</a:t>
               </a:r>
             </a:p>
           </p:txBody>
